--- a/Trabalho_BigData - ENGSOFT37.pptx
+++ b/Trabalho_BigData - ENGSOFT37.pptx
@@ -14,16 +14,17 @@
     <p:sldId id="259" r:id="rId9"/>
     <p:sldId id="260" r:id="rId10"/>
     <p:sldId id="261" r:id="rId11"/>
+    <p:sldId id="262" r:id="rId12"/>
   </p:sldIdLst>
   <p:sldSz cy="6858000" cx="9144000"/>
   <p:notesSz cx="6858000" cy="9144000"/>
   <p:embeddedFontLst>
     <p:embeddedFont>
       <p:font typeface="Century Gothic"/>
-      <p:regular r:id="rId12"/>
-      <p:bold r:id="rId13"/>
-      <p:italic r:id="rId14"/>
-      <p:boldItalic r:id="rId15"/>
+      <p:regular r:id="rId13"/>
+      <p:bold r:id="rId14"/>
+      <p:italic r:id="rId15"/>
+      <p:boldItalic r:id="rId16"/>
     </p:embeddedFont>
   </p:embeddedFontLst>
   <p:defaultTextStyle>
@@ -271,7 +272,7 @@
       </p15:sldGuideLst>
     </p:ext>
     <p:ext uri="http://customooxmlschemas.google.com/">
-      <go:slidesCustomData xmlns:go="http://customooxmlschemas.google.com/" r:id="rId16" roundtripDataSignature="AMtx7mjtULbmxIH8FPwda47GYsFv+UiR5A=="/>
+      <go:slidesCustomData xmlns:go="http://customooxmlschemas.google.com/" r:id="rId17" roundtripDataSignature="AMtx7mjvwsCp5eJiYp6xqTePsJ2teW03HQ=="/>
     </p:ext>
   </p:extLst>
 </p:presentation>
@@ -1019,46 +1020,7 @@
       </p:grpSpPr>
       <p:sp>
         <p:nvSpPr>
-          <p:cNvPr id="112" name="Google Shape;112;p4:notes"/>
-          <p:cNvSpPr txBox="1"/>
-          <p:nvPr>
-            <p:ph idx="1" type="body"/>
-          </p:nvPr>
-        </p:nvSpPr>
-        <p:spPr>
-          <a:xfrm>
-            <a:off x="685800" y="4343400"/>
-            <a:ext cx="5486400" cy="4114800"/>
-          </a:xfrm>
-          <a:prstGeom prst="rect">
-            <a:avLst/>
-          </a:prstGeom>
-        </p:spPr>
-        <p:txBody>
-          <a:bodyPr anchorCtr="0" anchor="t" bIns="91425" lIns="91425" spcFirstLastPara="1" rIns="91425" wrap="square" tIns="91425">
-            <a:noAutofit/>
-          </a:bodyPr>
-          <a:lstStyle/>
-          <a:p>
-            <a:pPr indent="0" lvl="0" marL="0" rtl="0" algn="l">
-              <a:spcBef>
-                <a:spcPts val="0"/>
-              </a:spcBef>
-              <a:spcAft>
-                <a:spcPts val="0"/>
-              </a:spcAft>
-              <a:buNone/>
-            </a:pPr>
-            <a:r>
-              <a:t/>
-            </a:r>
-            <a:endParaRPr/>
-          </a:p>
-        </p:txBody>
-      </p:sp>
-      <p:sp>
-        <p:nvSpPr>
-          <p:cNvPr id="113" name="Google Shape;113;p4:notes"/>
+          <p:cNvPr id="112" name="Google Shape;112;g10709cd6b3f_0_9:notes"/>
           <p:cNvSpPr/>
           <p:nvPr>
             <p:ph idx="2" type="sldImg"/>
@@ -1067,7 +1029,7 @@
         <p:spPr>
           <a:xfrm>
             <a:off x="1143225" y="685800"/>
-            <a:ext cx="4572225" cy="3429000"/>
+            <a:ext cx="4572300" cy="3429000"/>
           </a:xfrm>
           <a:custGeom>
             <a:rect b="b" l="l" r="r" t="t"/>
@@ -1091,34 +1053,9 @@
           </a:custGeom>
         </p:spPr>
       </p:sp>
-    </p:spTree>
-  </p:cSld>
-  <p:clrMapOvr>
-    <a:masterClrMapping/>
-  </p:clrMapOvr>
-</p:notes>
-</file>
-
-<file path=ppt/notesSlides/notesSlide5.xml><?xml version="1.0" encoding="utf-8"?>
-<p:notes xmlns:a="http://schemas.openxmlformats.org/drawingml/2006/main" xmlns:r="http://schemas.openxmlformats.org/officeDocument/2006/relationships" xmlns:mc="http://schemas.openxmlformats.org/markup-compatibility/2006" xmlns:mv="urn:schemas-microsoft-com:mac:vml" xmlns:p="http://schemas.openxmlformats.org/presentationml/2006/main" xmlns:c="http://schemas.openxmlformats.org/drawingml/2006/chart" xmlns:dgm="http://schemas.openxmlformats.org/drawingml/2006/diagram" xmlns:o="urn:schemas-microsoft-com:office:office" xmlns:v="urn:schemas-microsoft-com:vml" xmlns:pvml="urn:schemas-microsoft-com:office:powerpoint" xmlns:com="http://schemas.openxmlformats.org/drawingml/2006/compatibility" xmlns:p14="http://schemas.microsoft.com/office/powerpoint/2010/main" xmlns:p15="http://schemas.microsoft.com/office/powerpoint/2012/main" xmlns:ahyp="http://schemas.microsoft.com/office/drawing/2018/hyperlinkcolor" showMasterPhAnim="0" showMasterSp="0">
-  <p:cSld>
-    <p:spTree>
-      <p:nvGrpSpPr>
-        <p:cNvPr id="118" name="Shape 118"/>
-        <p:cNvGrpSpPr/>
-        <p:nvPr/>
-      </p:nvGrpSpPr>
-      <p:grpSpPr>
-        <a:xfrm>
-          <a:off x="0" y="0"/>
-          <a:ext cx="0" cy="0"/>
-          <a:chOff x="0" y="0"/>
-          <a:chExt cx="0" cy="0"/>
-        </a:xfrm>
-      </p:grpSpPr>
       <p:sp>
         <p:nvSpPr>
-          <p:cNvPr id="119" name="Google Shape;119;p5:notes"/>
+          <p:cNvPr id="113" name="Google Shape;113;g10709cd6b3f_0_9:notes"/>
           <p:cNvSpPr txBox="1"/>
           <p:nvPr>
             <p:ph idx="1" type="body"/>
@@ -1155,9 +1092,73 @@
           </a:p>
         </p:txBody>
       </p:sp>
+    </p:spTree>
+  </p:cSld>
+  <p:clrMapOvr>
+    <a:masterClrMapping/>
+  </p:clrMapOvr>
+</p:notes>
+</file>
+
+<file path=ppt/notesSlides/notesSlide5.xml><?xml version="1.0" encoding="utf-8"?>
+<p:notes xmlns:a="http://schemas.openxmlformats.org/drawingml/2006/main" xmlns:r="http://schemas.openxmlformats.org/officeDocument/2006/relationships" xmlns:mc="http://schemas.openxmlformats.org/markup-compatibility/2006" xmlns:mv="urn:schemas-microsoft-com:mac:vml" xmlns:p="http://schemas.openxmlformats.org/presentationml/2006/main" xmlns:c="http://schemas.openxmlformats.org/drawingml/2006/chart" xmlns:dgm="http://schemas.openxmlformats.org/drawingml/2006/diagram" xmlns:o="urn:schemas-microsoft-com:office:office" xmlns:v="urn:schemas-microsoft-com:vml" xmlns:pvml="urn:schemas-microsoft-com:office:powerpoint" xmlns:com="http://schemas.openxmlformats.org/drawingml/2006/compatibility" xmlns:p14="http://schemas.microsoft.com/office/powerpoint/2010/main" xmlns:p15="http://schemas.microsoft.com/office/powerpoint/2012/main" xmlns:ahyp="http://schemas.microsoft.com/office/drawing/2018/hyperlinkcolor" showMasterPhAnim="0" showMasterSp="0">
+  <p:cSld>
+    <p:spTree>
+      <p:nvGrpSpPr>
+        <p:cNvPr id="117" name="Shape 117"/>
+        <p:cNvGrpSpPr/>
+        <p:nvPr/>
+      </p:nvGrpSpPr>
+      <p:grpSpPr>
+        <a:xfrm>
+          <a:off x="0" y="0"/>
+          <a:ext cx="0" cy="0"/>
+          <a:chOff x="0" y="0"/>
+          <a:chExt cx="0" cy="0"/>
+        </a:xfrm>
+      </p:grpSpPr>
       <p:sp>
         <p:nvSpPr>
-          <p:cNvPr id="120" name="Google Shape;120;p5:notes"/>
+          <p:cNvPr id="118" name="Google Shape;118;p5:notes"/>
+          <p:cNvSpPr txBox="1"/>
+          <p:nvPr>
+            <p:ph idx="1" type="body"/>
+          </p:nvPr>
+        </p:nvSpPr>
+        <p:spPr>
+          <a:xfrm>
+            <a:off x="685800" y="4343400"/>
+            <a:ext cx="5486400" cy="4114800"/>
+          </a:xfrm>
+          <a:prstGeom prst="rect">
+            <a:avLst/>
+          </a:prstGeom>
+        </p:spPr>
+        <p:txBody>
+          <a:bodyPr anchorCtr="0" anchor="t" bIns="91425" lIns="91425" spcFirstLastPara="1" rIns="91425" wrap="square" tIns="91425">
+            <a:noAutofit/>
+          </a:bodyPr>
+          <a:lstStyle/>
+          <a:p>
+            <a:pPr indent="0" lvl="0" marL="0" rtl="0" algn="l">
+              <a:spcBef>
+                <a:spcPts val="0"/>
+              </a:spcBef>
+              <a:spcAft>
+                <a:spcPts val="0"/>
+              </a:spcAft>
+              <a:buNone/>
+            </a:pPr>
+            <a:r>
+              <a:t/>
+            </a:r>
+            <a:endParaRPr/>
+          </a:p>
+        </p:txBody>
+      </p:sp>
+      <p:sp>
+        <p:nvSpPr>
+          <p:cNvPr id="119" name="Google Shape;119;p5:notes"/>
           <p:cNvSpPr/>
           <p:nvPr>
             <p:ph idx="2" type="sldImg"/>
@@ -1288,6 +1289,105 @@
             </a:pathLst>
           </a:custGeom>
         </p:spPr>
+      </p:sp>
+    </p:spTree>
+  </p:cSld>
+  <p:clrMapOvr>
+    <a:masterClrMapping/>
+  </p:clrMapOvr>
+</p:notes>
+</file>
+
+<file path=ppt/notesSlides/notesSlide7.xml><?xml version="1.0" encoding="utf-8"?>
+<p:notes xmlns:a="http://schemas.openxmlformats.org/drawingml/2006/main" xmlns:r="http://schemas.openxmlformats.org/officeDocument/2006/relationships" xmlns:mc="http://schemas.openxmlformats.org/markup-compatibility/2006" xmlns:mv="urn:schemas-microsoft-com:mac:vml" xmlns:p="http://schemas.openxmlformats.org/presentationml/2006/main" xmlns:c="http://schemas.openxmlformats.org/drawingml/2006/chart" xmlns:dgm="http://schemas.openxmlformats.org/drawingml/2006/diagram" xmlns:o="urn:schemas-microsoft-com:office:office" xmlns:v="urn:schemas-microsoft-com:vml" xmlns:pvml="urn:schemas-microsoft-com:office:powerpoint" xmlns:com="http://schemas.openxmlformats.org/drawingml/2006/compatibility" xmlns:p14="http://schemas.microsoft.com/office/powerpoint/2010/main" xmlns:p15="http://schemas.microsoft.com/office/powerpoint/2012/main" xmlns:ahyp="http://schemas.microsoft.com/office/drawing/2018/hyperlinkcolor" showMasterPhAnim="0" showMasterSp="0">
+  <p:cSld>
+    <p:spTree>
+      <p:nvGrpSpPr>
+        <p:cNvPr id="129" name="Shape 129"/>
+        <p:cNvGrpSpPr/>
+        <p:nvPr/>
+      </p:nvGrpSpPr>
+      <p:grpSpPr>
+        <a:xfrm>
+          <a:off x="0" y="0"/>
+          <a:ext cx="0" cy="0"/>
+          <a:chOff x="0" y="0"/>
+          <a:chExt cx="0" cy="0"/>
+        </a:xfrm>
+      </p:grpSpPr>
+      <p:sp>
+        <p:nvSpPr>
+          <p:cNvPr id="130" name="Google Shape;130;g10709cd6b3f_0_16:notes"/>
+          <p:cNvSpPr/>
+          <p:nvPr>
+            <p:ph idx="2" type="sldImg"/>
+          </p:nvPr>
+        </p:nvSpPr>
+        <p:spPr>
+          <a:xfrm>
+            <a:off x="1143225" y="685800"/>
+            <a:ext cx="4572300" cy="3429000"/>
+          </a:xfrm>
+          <a:custGeom>
+            <a:rect b="b" l="l" r="r" t="t"/>
+            <a:pathLst>
+              <a:path extrusionOk="0" h="120000" w="120000">
+                <a:moveTo>
+                  <a:pt x="0" y="0"/>
+                </a:moveTo>
+                <a:lnTo>
+                  <a:pt x="120000" y="0"/>
+                </a:lnTo>
+                <a:lnTo>
+                  <a:pt x="120000" y="120000"/>
+                </a:lnTo>
+                <a:lnTo>
+                  <a:pt x="0" y="120000"/>
+                </a:lnTo>
+                <a:close/>
+              </a:path>
+            </a:pathLst>
+          </a:custGeom>
+        </p:spPr>
+      </p:sp>
+      <p:sp>
+        <p:nvSpPr>
+          <p:cNvPr id="131" name="Google Shape;131;g10709cd6b3f_0_16:notes"/>
+          <p:cNvSpPr txBox="1"/>
+          <p:nvPr>
+            <p:ph idx="1" type="body"/>
+          </p:nvPr>
+        </p:nvSpPr>
+        <p:spPr>
+          <a:xfrm>
+            <a:off x="685800" y="4343400"/>
+            <a:ext cx="5486400" cy="4114800"/>
+          </a:xfrm>
+          <a:prstGeom prst="rect">
+            <a:avLst/>
+          </a:prstGeom>
+        </p:spPr>
+        <p:txBody>
+          <a:bodyPr anchorCtr="0" anchor="t" bIns="91425" lIns="91425" spcFirstLastPara="1" rIns="91425" wrap="square" tIns="91425">
+            <a:noAutofit/>
+          </a:bodyPr>
+          <a:lstStyle/>
+          <a:p>
+            <a:pPr indent="0" lvl="0" marL="0" rtl="0" algn="l">
+              <a:spcBef>
+                <a:spcPts val="0"/>
+              </a:spcBef>
+              <a:spcAft>
+                <a:spcPts val="0"/>
+              </a:spcAft>
+              <a:buNone/>
+            </a:pPr>
+            <a:r>
+              <a:t/>
+            </a:r>
+            <a:endParaRPr/>
+          </a:p>
+        </p:txBody>
       </p:sp>
     </p:spTree>
   </p:cSld>
@@ -11866,7 +11966,100 @@
       </p:grpSpPr>
       <p:sp>
         <p:nvSpPr>
-          <p:cNvPr id="115" name="Google Shape;115;p4"/>
+          <p:cNvPr id="115" name="Google Shape;115;g10709cd6b3f_0_9"/>
+          <p:cNvSpPr txBox="1"/>
+          <p:nvPr>
+            <p:ph type="title"/>
+          </p:nvPr>
+        </p:nvSpPr>
+        <p:spPr>
+          <a:xfrm>
+            <a:off x="457200" y="267494"/>
+            <a:ext cx="8229600" cy="1398900"/>
+          </a:xfrm>
+          <a:prstGeom prst="rect">
+            <a:avLst/>
+          </a:prstGeom>
+        </p:spPr>
+        <p:txBody>
+          <a:bodyPr anchorCtr="0" anchor="ctr" bIns="45700" lIns="91425" spcFirstLastPara="1" rIns="91425" wrap="square" tIns="45700">
+            <a:normAutofit/>
+          </a:bodyPr>
+          <a:lstStyle/>
+          <a:p>
+            <a:pPr indent="0" lvl="0" marL="0" rtl="0" algn="l">
+              <a:spcBef>
+                <a:spcPts val="0"/>
+              </a:spcBef>
+              <a:spcAft>
+                <a:spcPts val="0"/>
+              </a:spcAft>
+              <a:buNone/>
+            </a:pPr>
+            <a:r>
+              <a:rPr lang="pt-BR"/>
+              <a:t>Metodos Spark</a:t>
+            </a:r>
+            <a:endParaRPr/>
+          </a:p>
+        </p:txBody>
+      </p:sp>
+      <p:pic>
+        <p:nvPicPr>
+          <p:cNvPr id="116" name="Google Shape;116;g10709cd6b3f_0_9"/>
+          <p:cNvPicPr preferRelativeResize="0"/>
+          <p:nvPr/>
+        </p:nvPicPr>
+        <p:blipFill>
+          <a:blip r:embed="rId3">
+            <a:alphaModFix/>
+          </a:blip>
+          <a:stretch>
+            <a:fillRect/>
+          </a:stretch>
+        </p:blipFill>
+        <p:spPr>
+          <a:xfrm>
+            <a:off x="252838" y="2267225"/>
+            <a:ext cx="8638325" cy="3801700"/>
+          </a:xfrm>
+          <a:prstGeom prst="rect">
+            <a:avLst/>
+          </a:prstGeom>
+          <a:noFill/>
+          <a:ln>
+            <a:noFill/>
+          </a:ln>
+        </p:spPr>
+      </p:pic>
+    </p:spTree>
+  </p:cSld>
+  <p:clrMapOvr>
+    <a:masterClrMapping/>
+  </p:clrMapOvr>
+</p:sld>
+</file>
+
+<file path=ppt/slides/slide5.xml><?xml version="1.0" encoding="utf-8"?>
+<p:sld xmlns:a="http://schemas.openxmlformats.org/drawingml/2006/main" xmlns:r="http://schemas.openxmlformats.org/officeDocument/2006/relationships" xmlns:mc="http://schemas.openxmlformats.org/markup-compatibility/2006" xmlns:mv="urn:schemas-microsoft-com:mac:vml" xmlns:p="http://schemas.openxmlformats.org/presentationml/2006/main" xmlns:c="http://schemas.openxmlformats.org/drawingml/2006/chart" xmlns:dgm="http://schemas.openxmlformats.org/drawingml/2006/diagram" xmlns:o="urn:schemas-microsoft-com:office:office" xmlns:v="urn:schemas-microsoft-com:vml" xmlns:pvml="urn:schemas-microsoft-com:office:powerpoint" xmlns:com="http://schemas.openxmlformats.org/drawingml/2006/compatibility" xmlns:p14="http://schemas.microsoft.com/office/powerpoint/2010/main" xmlns:p15="http://schemas.microsoft.com/office/powerpoint/2012/main" xmlns:ahyp="http://schemas.microsoft.com/office/drawing/2018/hyperlinkcolor">
+  <p:cSld>
+    <p:spTree>
+      <p:nvGrpSpPr>
+        <p:cNvPr id="120" name="Shape 120"/>
+        <p:cNvGrpSpPr/>
+        <p:nvPr/>
+      </p:nvGrpSpPr>
+      <p:grpSpPr>
+        <a:xfrm>
+          <a:off x="0" y="0"/>
+          <a:ext cx="0" cy="0"/>
+          <a:chOff x="0" y="0"/>
+          <a:chExt cx="0" cy="0"/>
+        </a:xfrm>
+      </p:grpSpPr>
+      <p:sp>
+        <p:nvSpPr>
+          <p:cNvPr id="121" name="Google Shape;121;p5"/>
           <p:cNvSpPr txBox="1"/>
           <p:nvPr>
             <p:ph type="title"/>
@@ -11907,52 +12100,7 @@
             </a:pPr>
             <a:r>
               <a:rPr lang="pt-BR"/>
-              <a:t>Fonte de dados</a:t>
-            </a:r>
-            <a:endParaRPr/>
-          </a:p>
-        </p:txBody>
-      </p:sp>
-      <p:sp>
-        <p:nvSpPr>
-          <p:cNvPr id="116" name="Google Shape;116;p4"/>
-          <p:cNvSpPr txBox="1"/>
-          <p:nvPr>
-            <p:ph idx="1" type="body"/>
-          </p:nvPr>
-        </p:nvSpPr>
-        <p:spPr>
-          <a:xfrm>
-            <a:off x="457200" y="1882808"/>
-            <a:ext cx="8229600" cy="4572000"/>
-          </a:xfrm>
-          <a:prstGeom prst="rect">
-            <a:avLst/>
-          </a:prstGeom>
-          <a:noFill/>
-          <a:ln>
-            <a:noFill/>
-          </a:ln>
-        </p:spPr>
-        <p:txBody>
-          <a:bodyPr anchorCtr="0" anchor="t" bIns="45700" lIns="91425" spcFirstLastPara="1" rIns="91425" wrap="square" tIns="45700">
-            <a:normAutofit/>
-          </a:bodyPr>
-          <a:lstStyle/>
-          <a:p>
-            <a:pPr indent="-384047" lvl="0" marL="448056" rtl="0" algn="l">
-              <a:spcBef>
-                <a:spcPts val="0"/>
-              </a:spcBef>
-              <a:spcAft>
-                <a:spcPts val="0"/>
-              </a:spcAft>
-              <a:buSzPts val="2400"/>
-              <a:buChar char="⦿"/>
-            </a:pPr>
-            <a:r>
-              <a:rPr lang="pt-BR"/>
-              <a:t>Dados obtidos através da integração</a:t>
+              <a:t>Simulação</a:t>
             </a:r>
             <a:endParaRPr/>
           </a:p>
@@ -11960,21 +12108,22 @@
       </p:sp>
       <p:pic>
         <p:nvPicPr>
-          <p:cNvPr id="117" name="Google Shape;117;p4"/>
+          <p:cNvPr id="122" name="Google Shape;122;p5"/>
           <p:cNvPicPr preferRelativeResize="0"/>
           <p:nvPr/>
         </p:nvPicPr>
-        <p:blipFill rotWithShape="1">
+        <p:blipFill>
           <a:blip r:embed="rId3">
             <a:alphaModFix/>
           </a:blip>
-          <a:srcRect b="0" l="0" r="0" t="0"/>
-          <a:stretch/>
+          <a:stretch>
+            <a:fillRect/>
+          </a:stretch>
         </p:blipFill>
         <p:spPr>
           <a:xfrm>
-            <a:off x="208357" y="3212976"/>
-            <a:ext cx="8727286" cy="2722272"/>
+            <a:off x="152400" y="1818926"/>
+            <a:ext cx="8839201" cy="4266752"/>
           </a:xfrm>
           <a:prstGeom prst="rect">
             <a:avLst/>
@@ -11985,80 +12134,6 @@
           </a:ln>
         </p:spPr>
       </p:pic>
-    </p:spTree>
-  </p:cSld>
-  <p:clrMapOvr>
-    <a:masterClrMapping/>
-  </p:clrMapOvr>
-</p:sld>
-</file>
-
-<file path=ppt/slides/slide5.xml><?xml version="1.0" encoding="utf-8"?>
-<p:sld xmlns:a="http://schemas.openxmlformats.org/drawingml/2006/main" xmlns:r="http://schemas.openxmlformats.org/officeDocument/2006/relationships" xmlns:mc="http://schemas.openxmlformats.org/markup-compatibility/2006" xmlns:mv="urn:schemas-microsoft-com:mac:vml" xmlns:p="http://schemas.openxmlformats.org/presentationml/2006/main" xmlns:c="http://schemas.openxmlformats.org/drawingml/2006/chart" xmlns:dgm="http://schemas.openxmlformats.org/drawingml/2006/diagram" xmlns:o="urn:schemas-microsoft-com:office:office" xmlns:v="urn:schemas-microsoft-com:vml" xmlns:pvml="urn:schemas-microsoft-com:office:powerpoint" xmlns:com="http://schemas.openxmlformats.org/drawingml/2006/compatibility" xmlns:p14="http://schemas.microsoft.com/office/powerpoint/2010/main" xmlns:p15="http://schemas.microsoft.com/office/powerpoint/2012/main" xmlns:ahyp="http://schemas.microsoft.com/office/drawing/2018/hyperlinkcolor">
-  <p:cSld>
-    <p:spTree>
-      <p:nvGrpSpPr>
-        <p:cNvPr id="121" name="Shape 121"/>
-        <p:cNvGrpSpPr/>
-        <p:nvPr/>
-      </p:nvGrpSpPr>
-      <p:grpSpPr>
-        <a:xfrm>
-          <a:off x="0" y="0"/>
-          <a:ext cx="0" cy="0"/>
-          <a:chOff x="0" y="0"/>
-          <a:chExt cx="0" cy="0"/>
-        </a:xfrm>
-      </p:grpSpPr>
-      <p:sp>
-        <p:nvSpPr>
-          <p:cNvPr id="122" name="Google Shape;122;p5"/>
-          <p:cNvSpPr txBox="1"/>
-          <p:nvPr>
-            <p:ph type="title"/>
-          </p:nvPr>
-        </p:nvSpPr>
-        <p:spPr>
-          <a:xfrm>
-            <a:off x="457200" y="267494"/>
-            <a:ext cx="8229600" cy="1399032"/>
-          </a:xfrm>
-          <a:prstGeom prst="rect">
-            <a:avLst/>
-          </a:prstGeom>
-          <a:noFill/>
-          <a:ln>
-            <a:noFill/>
-          </a:ln>
-        </p:spPr>
-        <p:txBody>
-          <a:bodyPr anchorCtr="0" anchor="ctr" bIns="45700" lIns="91425" spcFirstLastPara="1" rIns="91425" wrap="square" tIns="45700">
-            <a:normAutofit/>
-          </a:bodyPr>
-          <a:lstStyle/>
-          <a:p>
-            <a:pPr indent="0" lvl="0" marL="484632" rtl="0" algn="l">
-              <a:spcBef>
-                <a:spcPts val="0"/>
-              </a:spcBef>
-              <a:spcAft>
-                <a:spcPts val="0"/>
-              </a:spcAft>
-              <a:buClr>
-                <a:srgbClr val="939397"/>
-              </a:buClr>
-              <a:buSzPts val="4200"/>
-              <a:buFont typeface="Century Gothic"/>
-              <a:buNone/>
-            </a:pPr>
-            <a:r>
-              <a:rPr lang="pt-BR"/>
-              <a:t>Simulação</a:t>
-            </a:r>
-            <a:endParaRPr/>
-          </a:p>
-        </p:txBody>
-      </p:sp>
     </p:spTree>
   </p:cSld>
   <p:clrMapOvr>
@@ -12205,7 +12280,189 @@
             </a:pPr>
             <a:r>
               <a:rPr lang="pt-BR"/>
-              <a:t>https://github.com/lucasperrut/BigData</a:t>
+              <a:t>https://bitbucket.org/jonasgmachado/painelcovid</a:t>
+            </a:r>
+            <a:endParaRPr/>
+          </a:p>
+        </p:txBody>
+      </p:sp>
+    </p:spTree>
+  </p:cSld>
+  <p:clrMapOvr>
+    <a:masterClrMapping/>
+  </p:clrMapOvr>
+</p:sld>
+</file>
+
+<file path=ppt/slides/slide7.xml><?xml version="1.0" encoding="utf-8"?>
+<p:sld xmlns:a="http://schemas.openxmlformats.org/drawingml/2006/main" xmlns:r="http://schemas.openxmlformats.org/officeDocument/2006/relationships" xmlns:mc="http://schemas.openxmlformats.org/markup-compatibility/2006" xmlns:mv="urn:schemas-microsoft-com:mac:vml" xmlns:p="http://schemas.openxmlformats.org/presentationml/2006/main" xmlns:c="http://schemas.openxmlformats.org/drawingml/2006/chart" xmlns:dgm="http://schemas.openxmlformats.org/drawingml/2006/diagram" xmlns:o="urn:schemas-microsoft-com:office:office" xmlns:v="urn:schemas-microsoft-com:vml" xmlns:pvml="urn:schemas-microsoft-com:office:powerpoint" xmlns:com="http://schemas.openxmlformats.org/drawingml/2006/compatibility" xmlns:p14="http://schemas.microsoft.com/office/powerpoint/2010/main" xmlns:p15="http://schemas.microsoft.com/office/powerpoint/2012/main" xmlns:ahyp="http://schemas.microsoft.com/office/drawing/2018/hyperlinkcolor">
+  <p:cSld>
+    <p:spTree>
+      <p:nvGrpSpPr>
+        <p:cNvPr id="132" name="Shape 132"/>
+        <p:cNvGrpSpPr/>
+        <p:nvPr/>
+      </p:nvGrpSpPr>
+      <p:grpSpPr>
+        <a:xfrm>
+          <a:off x="0" y="0"/>
+          <a:ext cx="0" cy="0"/>
+          <a:chOff x="0" y="0"/>
+          <a:chExt cx="0" cy="0"/>
+        </a:xfrm>
+      </p:grpSpPr>
+      <p:sp>
+        <p:nvSpPr>
+          <p:cNvPr id="133" name="Google Shape;133;g10709cd6b3f_0_16"/>
+          <p:cNvSpPr txBox="1"/>
+          <p:nvPr>
+            <p:ph type="title"/>
+          </p:nvPr>
+        </p:nvSpPr>
+        <p:spPr>
+          <a:xfrm>
+            <a:off x="457200" y="267494"/>
+            <a:ext cx="8229600" cy="1398900"/>
+          </a:xfrm>
+          <a:prstGeom prst="rect">
+            <a:avLst/>
+          </a:prstGeom>
+        </p:spPr>
+        <p:txBody>
+          <a:bodyPr anchorCtr="0" anchor="ctr" bIns="45700" lIns="91425" spcFirstLastPara="1" rIns="91425" wrap="square" tIns="45700">
+            <a:normAutofit/>
+          </a:bodyPr>
+          <a:lstStyle/>
+          <a:p>
+            <a:pPr indent="0" lvl="0" marL="0" rtl="0" algn="l">
+              <a:spcBef>
+                <a:spcPts val="0"/>
+              </a:spcBef>
+              <a:spcAft>
+                <a:spcPts val="0"/>
+              </a:spcAft>
+              <a:buNone/>
+            </a:pPr>
+            <a:r>
+              <a:rPr lang="pt-BR"/>
+              <a:t>Referências</a:t>
+            </a:r>
+            <a:endParaRPr/>
+          </a:p>
+        </p:txBody>
+      </p:sp>
+      <p:sp>
+        <p:nvSpPr>
+          <p:cNvPr id="134" name="Google Shape;134;g10709cd6b3f_0_16"/>
+          <p:cNvSpPr txBox="1"/>
+          <p:nvPr>
+            <p:ph idx="1" type="body"/>
+          </p:nvPr>
+        </p:nvSpPr>
+        <p:spPr>
+          <a:xfrm>
+            <a:off x="457200" y="1882808"/>
+            <a:ext cx="8229600" cy="4572000"/>
+          </a:xfrm>
+          <a:prstGeom prst="rect">
+            <a:avLst/>
+          </a:prstGeom>
+        </p:spPr>
+        <p:txBody>
+          <a:bodyPr anchorCtr="0" anchor="t" bIns="45700" lIns="91425" spcFirstLastPara="1" rIns="91425" wrap="square" tIns="45700">
+            <a:normAutofit/>
+          </a:bodyPr>
+          <a:lstStyle/>
+          <a:p>
+            <a:pPr indent="0" lvl="0" marL="0" rtl="0" algn="l">
+              <a:spcBef>
+                <a:spcPts val="360"/>
+              </a:spcBef>
+              <a:spcAft>
+                <a:spcPts val="0"/>
+              </a:spcAft>
+              <a:buNone/>
+            </a:pPr>
+            <a:r>
+              <a:rPr lang="pt-BR" u="sng">
+                <a:solidFill>
+                  <a:schemeClr val="hlink"/>
+                </a:solidFill>
+                <a:hlinkClick r:id="rId3"/>
+              </a:rPr>
+              <a:t>https://spark.apache.org/docs/latest/api/python/</a:t>
+            </a:r>
+            <a:endParaRPr/>
+          </a:p>
+          <a:p>
+            <a:pPr indent="0" lvl="0" marL="0" rtl="0" algn="l">
+              <a:spcBef>
+                <a:spcPts val="360"/>
+              </a:spcBef>
+              <a:spcAft>
+                <a:spcPts val="0"/>
+              </a:spcAft>
+              <a:buNone/>
+            </a:pPr>
+            <a:r>
+              <a:t/>
+            </a:r>
+            <a:endParaRPr/>
+          </a:p>
+          <a:p>
+            <a:pPr indent="0" lvl="0" marL="0" rtl="0" algn="l">
+              <a:spcBef>
+                <a:spcPts val="360"/>
+              </a:spcBef>
+              <a:spcAft>
+                <a:spcPts val="0"/>
+              </a:spcAft>
+              <a:buNone/>
+            </a:pPr>
+            <a:r>
+              <a:rPr lang="pt-BR" u="sng">
+                <a:solidFill>
+                  <a:schemeClr val="hlink"/>
+                </a:solidFill>
+                <a:hlinkClick r:id="rId4"/>
+              </a:rPr>
+              <a:t>https://www.tweepy.org/</a:t>
+            </a:r>
+            <a:endParaRPr/>
+          </a:p>
+          <a:p>
+            <a:pPr indent="0" lvl="0" marL="0" rtl="0" algn="l">
+              <a:spcBef>
+                <a:spcPts val="360"/>
+              </a:spcBef>
+              <a:spcAft>
+                <a:spcPts val="0"/>
+              </a:spcAft>
+              <a:buNone/>
+            </a:pPr>
+            <a:r>
+              <a:t/>
+            </a:r>
+            <a:endParaRPr/>
+          </a:p>
+          <a:p>
+            <a:pPr indent="0" lvl="0" marL="0" rtl="0" algn="l">
+              <a:spcBef>
+                <a:spcPts val="360"/>
+              </a:spcBef>
+              <a:spcAft>
+                <a:spcPts val="0"/>
+              </a:spcAft>
+              <a:buNone/>
+            </a:pPr>
+            <a:r>
+              <a:rPr lang="pt-BR" u="sng">
+                <a:solidFill>
+                  <a:schemeClr val="hlink"/>
+                </a:solidFill>
+                <a:hlinkClick r:id="rId5"/>
+              </a:rPr>
+              <a:t>https://flask.palletsprojects.com/en/2.0.x/</a:t>
             </a:r>
             <a:endParaRPr/>
           </a:p>
